--- a/PROJECT 1 FINAL PPT.pptx
+++ b/PROJECT 1 FINAL PPT.pptx
@@ -1152,7 +1152,7 @@
           <a:p>
             <a:fld id="{B1C8271A-587F-034B-8529-5AC6F3852380}" type="datetimeFigureOut">
               <a:rPr lang="en-NP" smtClean="0"/>
-              <a:t>02/11/2025</a:t>
+              <a:t>02/12/2025</a:t>
             </a:fld>
             <a:endParaRPr lang="en-NP"/>
           </a:p>
@@ -1768,7 +1768,7 @@
             <a:fld id="{1D8BD707-D9CF-40AE-B4C6-C98DA3205C09}" type="datetimeFigureOut">
               <a:rPr lang="en-US" smtClean="0"/>
               <a:pPr/>
-              <a:t>2/11/2025</a:t>
+              <a:t>2/12/2025</a:t>
             </a:fld>
             <a:endParaRPr lang="en-US"/>
           </a:p>
@@ -1933,7 +1933,7 @@
             <a:fld id="{1D8BD707-D9CF-40AE-B4C6-C98DA3205C09}" type="datetimeFigureOut">
               <a:rPr lang="en-US" smtClean="0"/>
               <a:pPr/>
-              <a:t>2/11/2025</a:t>
+              <a:t>2/12/2025</a:t>
             </a:fld>
             <a:endParaRPr lang="en-US"/>
           </a:p>
@@ -2108,7 +2108,7 @@
             <a:fld id="{1D8BD707-D9CF-40AE-B4C6-C98DA3205C09}" type="datetimeFigureOut">
               <a:rPr lang="en-US" smtClean="0"/>
               <a:pPr/>
-              <a:t>2/11/2025</a:t>
+              <a:t>2/12/2025</a:t>
             </a:fld>
             <a:endParaRPr lang="en-US"/>
           </a:p>
@@ -2273,7 +2273,7 @@
             <a:fld id="{1D8BD707-D9CF-40AE-B4C6-C98DA3205C09}" type="datetimeFigureOut">
               <a:rPr lang="en-US" smtClean="0"/>
               <a:pPr/>
-              <a:t>2/11/2025</a:t>
+              <a:t>2/12/2025</a:t>
             </a:fld>
             <a:endParaRPr lang="en-US"/>
           </a:p>
@@ -2515,7 +2515,7 @@
             <a:fld id="{1D8BD707-D9CF-40AE-B4C6-C98DA3205C09}" type="datetimeFigureOut">
               <a:rPr lang="en-US" smtClean="0"/>
               <a:pPr/>
-              <a:t>2/11/2025</a:t>
+              <a:t>2/12/2025</a:t>
             </a:fld>
             <a:endParaRPr lang="en-US"/>
           </a:p>
@@ -2797,7 +2797,7 @@
             <a:fld id="{1D8BD707-D9CF-40AE-B4C6-C98DA3205C09}" type="datetimeFigureOut">
               <a:rPr lang="en-US" smtClean="0"/>
               <a:pPr/>
-              <a:t>2/11/2025</a:t>
+              <a:t>2/12/2025</a:t>
             </a:fld>
             <a:endParaRPr lang="en-US"/>
           </a:p>
@@ -3213,7 +3213,7 @@
             <a:fld id="{1D8BD707-D9CF-40AE-B4C6-C98DA3205C09}" type="datetimeFigureOut">
               <a:rPr lang="en-US" smtClean="0"/>
               <a:pPr/>
-              <a:t>2/11/2025</a:t>
+              <a:t>2/12/2025</a:t>
             </a:fld>
             <a:endParaRPr lang="en-US"/>
           </a:p>
@@ -3327,7 +3327,7 @@
             <a:fld id="{1D8BD707-D9CF-40AE-B4C6-C98DA3205C09}" type="datetimeFigureOut">
               <a:rPr lang="en-US" smtClean="0"/>
               <a:pPr/>
-              <a:t>2/11/2025</a:t>
+              <a:t>2/12/2025</a:t>
             </a:fld>
             <a:endParaRPr lang="en-US"/>
           </a:p>
@@ -3419,7 +3419,7 @@
             <a:fld id="{1D8BD707-D9CF-40AE-B4C6-C98DA3205C09}" type="datetimeFigureOut">
               <a:rPr lang="en-US" smtClean="0"/>
               <a:pPr/>
-              <a:t>2/11/2025</a:t>
+              <a:t>2/12/2025</a:t>
             </a:fld>
             <a:endParaRPr lang="en-US"/>
           </a:p>
@@ -3691,7 +3691,7 @@
             <a:fld id="{1D8BD707-D9CF-40AE-B4C6-C98DA3205C09}" type="datetimeFigureOut">
               <a:rPr lang="en-US" smtClean="0"/>
               <a:pPr/>
-              <a:t>2/11/2025</a:t>
+              <a:t>2/12/2025</a:t>
             </a:fld>
             <a:endParaRPr lang="en-US"/>
           </a:p>
@@ -3940,7 +3940,7 @@
             <a:fld id="{1D8BD707-D9CF-40AE-B4C6-C98DA3205C09}" type="datetimeFigureOut">
               <a:rPr lang="en-US" smtClean="0"/>
               <a:pPr/>
-              <a:t>2/11/2025</a:t>
+              <a:t>2/12/2025</a:t>
             </a:fld>
             <a:endParaRPr lang="en-US"/>
           </a:p>
@@ -4148,7 +4148,7 @@
             <a:fld id="{1D8BD707-D9CF-40AE-B4C6-C98DA3205C09}" type="datetimeFigureOut">
               <a:rPr lang="en-US" smtClean="0"/>
               <a:pPr/>
-              <a:t>2/11/2025</a:t>
+              <a:t>2/12/2025</a:t>
             </a:fld>
             <a:endParaRPr lang="en-US"/>
           </a:p>
@@ -8272,106 +8272,12 @@
         </p:nvGrpSpPr>
         <p:grpSpPr>
           <a:xfrm>
-            <a:off x="4038600" y="3011085"/>
-            <a:ext cx="3399617" cy="3271630"/>
-            <a:chOff x="1028700" y="2523415"/>
-            <a:chExt cx="5017320" cy="4828431"/>
+            <a:off x="4038600" y="5456637"/>
+            <a:ext cx="3399617" cy="826077"/>
+            <a:chOff x="1028700" y="6132681"/>
+            <a:chExt cx="5017320" cy="1219165"/>
           </a:xfrm>
         </p:grpSpPr>
-        <p:grpSp>
-          <p:nvGrpSpPr>
-            <p:cNvPr id="22" name="Group 5">
-              <a:extLst>
-                <a:ext uri="{FF2B5EF4-FFF2-40B4-BE49-F238E27FC236}">
-                  <a16:creationId xmlns:a16="http://schemas.microsoft.com/office/drawing/2014/main" id="{39095617-26EA-F46D-94EF-626F4327E47F}"/>
-                </a:ext>
-              </a:extLst>
-            </p:cNvPr>
-            <p:cNvGrpSpPr/>
-            <p:nvPr/>
-          </p:nvGrpSpPr>
-          <p:grpSpPr>
-            <a:xfrm>
-              <a:off x="1961289" y="2523415"/>
-              <a:ext cx="3152142" cy="3152142"/>
-              <a:chOff x="0" y="0"/>
-              <a:chExt cx="812800" cy="812800"/>
-            </a:xfrm>
-          </p:grpSpPr>
-          <p:sp>
-            <p:nvSpPr>
-              <p:cNvPr id="25" name="Freeform 6">
-                <a:extLst>
-                  <a:ext uri="{FF2B5EF4-FFF2-40B4-BE49-F238E27FC236}">
-                    <a16:creationId xmlns:a16="http://schemas.microsoft.com/office/drawing/2014/main" id="{8AFB05D3-2CC3-E859-2EED-2874DD0FC490}"/>
-                  </a:ext>
-                </a:extLst>
-              </p:cNvPr>
-              <p:cNvSpPr/>
-              <p:nvPr/>
-            </p:nvSpPr>
-            <p:spPr>
-              <a:xfrm>
-                <a:off x="0" y="0"/>
-                <a:ext cx="812800" cy="812800"/>
-              </a:xfrm>
-              <a:custGeom>
-                <a:avLst/>
-                <a:gdLst/>
-                <a:ahLst/>
-                <a:cxnLst/>
-                <a:rect l="l" t="t" r="r" b="b"/>
-                <a:pathLst>
-                  <a:path w="812800" h="812800">
-                    <a:moveTo>
-                      <a:pt x="406400" y="0"/>
-                    </a:moveTo>
-                    <a:cubicBezTo>
-                      <a:pt x="181951" y="0"/>
-                      <a:pt x="0" y="181951"/>
-                      <a:pt x="0" y="406400"/>
-                    </a:cubicBezTo>
-                    <a:cubicBezTo>
-                      <a:pt x="0" y="630849"/>
-                      <a:pt x="181951" y="812800"/>
-                      <a:pt x="406400" y="812800"/>
-                    </a:cubicBezTo>
-                    <a:cubicBezTo>
-                      <a:pt x="630849" y="812800"/>
-                      <a:pt x="812800" y="630849"/>
-                      <a:pt x="812800" y="406400"/>
-                    </a:cubicBezTo>
-                    <a:cubicBezTo>
-                      <a:pt x="812800" y="181951"/>
-                      <a:pt x="630849" y="0"/>
-                      <a:pt x="406400" y="0"/>
-                    </a:cubicBezTo>
-                    <a:close/>
-                  </a:path>
-                </a:pathLst>
-              </a:custGeom>
-              <a:blipFill>
-                <a:blip r:embed="rId7" cstate="print">
-                  <a:extLst>
-                    <a:ext uri="{28A0092B-C50C-407E-A947-70E740481C1C}">
-                      <a14:useLocalDpi xmlns:a14="http://schemas.microsoft.com/office/drawing/2010/main" val="0"/>
-                    </a:ext>
-                  </a:extLst>
-                </a:blip>
-                <a:stretch>
-                  <a:fillRect/>
-                </a:stretch>
-              </a:blipFill>
-            </p:spPr>
-            <p:txBody>
-              <a:bodyPr/>
-              <a:lstStyle/>
-              <a:p>
-                <a:endParaRPr lang="en-NP" dirty="0"/>
-              </a:p>
-            </p:txBody>
-          </p:sp>
-        </p:grpSp>
         <p:sp>
           <p:nvSpPr>
             <p:cNvPr id="23" name="TextBox 16">
@@ -8546,13 +8452,13 @@
               </a:pathLst>
             </a:custGeom>
             <a:blipFill>
-              <a:blip r:embed="rId8">
+              <a:blip r:embed="rId7">
                 <a:extLst>
                   <a:ext uri="{28A0092B-C50C-407E-A947-70E740481C1C}">
                     <a14:useLocalDpi xmlns:a14="http://schemas.microsoft.com/office/drawing/2010/main" val="0"/>
                   </a:ext>
                   <a:ext uri="{837473B0-CC2E-450A-ABE3-18F120FF3D39}">
-                    <a1611:picAttrSrcUrl xmlns:a1611="http://schemas.microsoft.com/office/drawing/2016/11/main" r:id="rId9"/>
+                    <a1611:picAttrSrcUrl xmlns:a1611="http://schemas.microsoft.com/office/drawing/2016/11/main" r:id="rId8"/>
                   </a:ext>
                 </a:extLst>
               </a:blip>
@@ -8784,7 +8690,7 @@
                 </a:pathLst>
               </a:custGeom>
               <a:blipFill>
-                <a:blip r:embed="rId10" cstate="print">
+                <a:blip r:embed="rId9" cstate="print">
                   <a:extLst>
                     <a:ext uri="{28A0092B-C50C-407E-A947-70E740481C1C}">
                       <a14:useLocalDpi xmlns:a14="http://schemas.microsoft.com/office/drawing/2010/main" val="0"/>
@@ -8999,7 +8905,7 @@
                 </a:pathLst>
               </a:custGeom>
               <a:blipFill>
-                <a:blip r:embed="rId11" cstate="print">
+                <a:blip r:embed="rId10" cstate="print">
                   <a:extLst>
                     <a:ext uri="{28A0092B-C50C-407E-A947-70E740481C1C}">
                       <a14:useLocalDpi xmlns:a14="http://schemas.microsoft.com/office/drawing/2010/main" val="0"/>
@@ -9136,7 +9042,7 @@
           <p:nvPr/>
         </p:nvPicPr>
         <p:blipFill rotWithShape="1">
-          <a:blip r:embed="rId12" cstate="print">
+          <a:blip r:embed="rId11" cstate="print">
             <a:extLst>
               <a:ext uri="{28A0092B-C50C-407E-A947-70E740481C1C}">
                 <a14:useLocalDpi xmlns:a14="http://schemas.microsoft.com/office/drawing/2010/main" val="0"/>
@@ -9150,6 +9056,42 @@
           <a:xfrm>
             <a:off x="1660600" y="3029310"/>
             <a:ext cx="2135817" cy="2135817"/>
+          </a:xfrm>
+          <a:prstGeom prst="ellipse">
+            <a:avLst/>
+          </a:prstGeom>
+        </p:spPr>
+      </p:pic>
+      <p:pic>
+        <p:nvPicPr>
+          <p:cNvPr id="14" name="Picture 13" descr="A person in a suit and tie&#10;&#10;AI-generated content may be incorrect.">
+            <a:extLst>
+              <a:ext uri="{FF2B5EF4-FFF2-40B4-BE49-F238E27FC236}">
+                <a16:creationId xmlns:a16="http://schemas.microsoft.com/office/drawing/2014/main" id="{AA9AAC26-7E85-6F67-5791-78FDECA8D702}"/>
+              </a:ext>
+            </a:extLst>
+          </p:cNvPr>
+          <p:cNvPicPr>
+            <a:picLocks noChangeAspect="1"/>
+          </p:cNvPicPr>
+          <p:nvPr/>
+        </p:nvPicPr>
+        <p:blipFill>
+          <a:blip r:embed="rId12" cstate="print">
+            <a:extLst>
+              <a:ext uri="{28A0092B-C50C-407E-A947-70E740481C1C}">
+                <a14:useLocalDpi xmlns:a14="http://schemas.microsoft.com/office/drawing/2010/main" val="0"/>
+              </a:ext>
+            </a:extLst>
+          </a:blip>
+          <a:stretch>
+            <a:fillRect/>
+          </a:stretch>
+        </p:blipFill>
+        <p:spPr>
+          <a:xfrm>
+            <a:off x="4718728" y="3011085"/>
+            <a:ext cx="2145461" cy="2135816"/>
           </a:xfrm>
           <a:prstGeom prst="ellipse">
             <a:avLst/>
@@ -10486,7 +10428,7 @@
         <p:spPr>
           <a:xfrm>
             <a:off x="1028880" y="599760"/>
-            <a:ext cx="16615176" cy="2275560"/>
+            <a:ext cx="16615176" cy="1053686"/>
           </a:xfrm>
           <a:prstGeom prst="rect">
             <a:avLst/>
@@ -10530,7 +10472,7 @@
                 <a:latin typeface="Cormorant Garamond Bold Italics"/>
                 <a:ea typeface="Cormorant Garamond Bold Italics"/>
               </a:rPr>
-              <a:t>Proportion of individuals who have experienced gender bias by gender</a:t>
+              <a:t>Individuals who have experienced gender bias grouped by gender </a:t>
             </a:r>
             <a:endParaRPr lang="en-US" sz="5400" b="0" strike="noStrike" spc="-1" dirty="0">
               <a:solidFill>
@@ -10550,7 +10492,7 @@
         <p:spPr>
           <a:xfrm>
             <a:off x="11355480" y="3235817"/>
-            <a:ext cx="5903640" cy="3102901"/>
+            <a:ext cx="5903640" cy="4674485"/>
           </a:xfrm>
           <a:prstGeom prst="rect">
             <a:avLst/>
@@ -10592,6 +10534,16 @@
               </a:tabLst>
             </a:pPr>
             <a:r>
+              <a:rPr lang="en-US" sz="2400" b="0" i="0" dirty="0">
+                <a:solidFill>
+                  <a:srgbClr val="0F4662"/>
+                </a:solidFill>
+                <a:effectLst/>
+                <a:latin typeface="Quicksand" panose="020B0604020202020204" charset="0"/>
+              </a:rPr>
+              <a:t>According to our data set, </a:t>
+            </a:r>
+            <a:r>
               <a:rPr lang="en-US" sz="2400" b="1" i="0" dirty="0">
                 <a:solidFill>
                   <a:schemeClr val="accent6">
@@ -10601,7 +10553,34 @@
                 <a:effectLst/>
                 <a:latin typeface="Quicksand" panose="020B0604020202020204" charset="0"/>
               </a:rPr>
-              <a:t>33.5 % </a:t>
+              <a:t>males</a:t>
+            </a:r>
+            <a:r>
+              <a:rPr lang="en-US" sz="2400" dirty="0">
+                <a:solidFill>
+                  <a:srgbClr val="0F4662"/>
+                </a:solidFill>
+                <a:latin typeface="Quicksand" panose="020B0604020202020204" charset="0"/>
+              </a:rPr>
+              <a:t> make up a slightly higher proportion of individuals who have experienced gender bias, when </a:t>
+            </a:r>
+            <a:r>
+              <a:rPr lang="en-US" sz="2400">
+                <a:solidFill>
+                  <a:srgbClr val="0F4662"/>
+                </a:solidFill>
+                <a:latin typeface="Quicksand" panose="020B0604020202020204" charset="0"/>
+              </a:rPr>
+              <a:t>compared to </a:t>
+            </a:r>
+            <a:r>
+              <a:rPr lang="en-US" sz="2400" dirty="0">
+                <a:solidFill>
+                  <a:srgbClr val="0F4662"/>
+                </a:solidFill>
+                <a:latin typeface="Quicksand" panose="020B0604020202020204" charset="0"/>
+              </a:rPr>
+              <a:t>other genders</a:t>
             </a:r>
             <a:r>
               <a:rPr lang="en-US" sz="2400" b="0" i="0" dirty="0">
@@ -10611,29 +10590,7 @@
                 <a:effectLst/>
                 <a:latin typeface="Quicksand" panose="020B0604020202020204" charset="0"/>
               </a:rPr>
-              <a:t>of </a:t>
-            </a:r>
-            <a:r>
-              <a:rPr lang="en-US" sz="2400" b="1" i="0" dirty="0">
-                <a:solidFill>
-                  <a:schemeClr val="accent6">
-                    <a:lumMod val="75000"/>
-                  </a:schemeClr>
-                </a:solidFill>
-                <a:effectLst/>
-                <a:latin typeface="Quicksand" panose="020B0604020202020204" charset="0"/>
-              </a:rPr>
-              <a:t>male</a:t>
-            </a:r>
-            <a:r>
-              <a:rPr lang="en-US" sz="2400" b="0" i="0" dirty="0">
-                <a:solidFill>
-                  <a:srgbClr val="0F4662"/>
-                </a:solidFill>
-                <a:effectLst/>
-                <a:latin typeface="Quicksand" panose="020B0604020202020204" charset="0"/>
-              </a:rPr>
-              <a:t> gender experience more biasness than other gender.</a:t>
+              <a:t>.</a:t>
             </a:r>
           </a:p>
           <a:p>
@@ -10659,7 +10616,7 @@
                 </a:solidFill>
                 <a:latin typeface="Quicksand" panose="020B0604020202020204" charset="0"/>
               </a:rPr>
-              <a:t>In South Asian countries </a:t>
+              <a:t>However, in South Asian countries </a:t>
             </a:r>
             <a:r>
               <a:rPr lang="en-US" sz="2400" dirty="0">
@@ -10757,7 +10714,7 @@
         <p:spPr>
           <a:xfrm>
             <a:off x="1028880" y="599760"/>
-            <a:ext cx="11537280" cy="2275560"/>
+            <a:ext cx="13220520" cy="1088503"/>
           </a:xfrm>
           <a:prstGeom prst="rect">
             <a:avLst/>
@@ -10780,7 +10737,7 @@
           <a:fontRef idx="minor"/>
         </p:style>
         <p:txBody>
-          <a:bodyPr lIns="0" tIns="0" rIns="0" bIns="0" anchor="t">
+          <a:bodyPr wrap="square" lIns="0" tIns="0" rIns="0" bIns="0" anchor="t">
             <a:spAutoFit/>
           </a:bodyPr>
           <a:lstStyle/>
@@ -10801,7 +10758,7 @@
                 <a:latin typeface="Cormorant Garamond Bold Italics"/>
                 <a:ea typeface="Cormorant Garamond Bold Italics"/>
               </a:rPr>
-              <a:t>Stress level distribution by gender</a:t>
+              <a:t>Stress level distribution grouped by gender</a:t>
             </a:r>
             <a:endParaRPr lang="en-US" sz="6400" b="0" strike="noStrike" spc="-1" dirty="0">
               <a:solidFill>
@@ -10996,7 +10953,7 @@
         <p:spPr>
           <a:xfrm>
             <a:off x="1028880" y="599760"/>
-            <a:ext cx="16898512" cy="2275560"/>
+            <a:ext cx="16898512" cy="2242665"/>
           </a:xfrm>
           <a:prstGeom prst="rect">
             <a:avLst/>
@@ -11040,7 +10997,7 @@
                 <a:latin typeface="Cormorant Garamond Bold Italics"/>
                 <a:ea typeface="Cormorant Garamond Bold Italics"/>
               </a:rPr>
-              <a:t>Distribution of stress level by gender bias experience</a:t>
+              <a:t>Distribution of stress level grouped by gender bias experience</a:t>
             </a:r>
             <a:endParaRPr lang="en-US" sz="6400" b="0" strike="noStrike" spc="-1" dirty="0">
               <a:solidFill>
